--- a/HackathonPresentation.pptx
+++ b/HackathonPresentation.pptx
@@ -8,8 +8,9 @@
     <p:sldId id="259" r:id="rId2"/>
     <p:sldId id="257" r:id="rId3"/>
     <p:sldId id="261" r:id="rId4"/>
-    <p:sldId id="260" r:id="rId5"/>
-    <p:sldId id="262" r:id="rId6"/>
+    <p:sldId id="263" r:id="rId5"/>
+    <p:sldId id="260" r:id="rId6"/>
+    <p:sldId id="262" r:id="rId7"/>
   </p:sldIdLst>
   <p:sldSz cx="12192000" cy="6858000"/>
   <p:notesSz cx="6858000" cy="9144000"/>
@@ -3867,6 +3868,162 @@
 <file path=ppt/slides/slide4.xml><?xml version="1.0" encoding="utf-8"?>
 <p:sld xmlns:a="http://schemas.openxmlformats.org/drawingml/2006/main" xmlns:r="http://schemas.openxmlformats.org/officeDocument/2006/relationships" xmlns:p="http://schemas.openxmlformats.org/presentationml/2006/main">
   <p:cSld>
+    <p:spTree>
+      <p:nvGrpSpPr>
+        <p:cNvPr id="1" name=""/>
+        <p:cNvGrpSpPr/>
+        <p:nvPr/>
+      </p:nvGrpSpPr>
+      <p:grpSpPr>
+        <a:xfrm>
+          <a:off x="0" y="0"/>
+          <a:ext cx="0" cy="0"/>
+          <a:chOff x="0" y="0"/>
+          <a:chExt cx="0" cy="0"/>
+        </a:xfrm>
+      </p:grpSpPr>
+      <p:sp>
+        <p:nvSpPr>
+          <p:cNvPr id="7" name="TextBox 6">
+            <a:extLst>
+              <a:ext uri="{FF2B5EF4-FFF2-40B4-BE49-F238E27FC236}">
+                <a16:creationId xmlns:a16="http://schemas.microsoft.com/office/drawing/2014/main" id="{0FD5CF3F-4A3C-4090-9493-64B84E6AB625}"/>
+              </a:ext>
+            </a:extLst>
+          </p:cNvPr>
+          <p:cNvSpPr txBox="1"/>
+          <p:nvPr/>
+        </p:nvSpPr>
+        <p:spPr>
+          <a:xfrm>
+            <a:off x="342900" y="2433593"/>
+            <a:ext cx="4013200" cy="1323439"/>
+          </a:xfrm>
+          <a:prstGeom prst="rect">
+            <a:avLst/>
+          </a:prstGeom>
+          <a:noFill/>
+        </p:spPr>
+        <p:txBody>
+          <a:bodyPr wrap="square" rtlCol="0">
+            <a:spAutoFit/>
+          </a:bodyPr>
+          <a:lstStyle/>
+          <a:p>
+            <a:r>
+              <a:rPr lang="en-CA" sz="4000" b="1" dirty="0">
+                <a:ln w="0"/>
+                <a:solidFill>
+                  <a:schemeClr val="accent1"/>
+                </a:solidFill>
+                <a:effectLst>
+                  <a:outerShdw blurRad="38100" dist="25400" dir="5400000" algn="ctr" rotWithShape="0">
+                    <a:srgbClr val="6E747A">
+                      <a:alpha val="43000"/>
+                    </a:srgbClr>
+                  </a:outerShdw>
+                </a:effectLst>
+              </a:rPr>
+              <a:t>FUTURE CONSIDERATIONS</a:t>
+            </a:r>
+          </a:p>
+        </p:txBody>
+      </p:sp>
+      <p:pic>
+        <p:nvPicPr>
+          <p:cNvPr id="11" name="Picture 10">
+            <a:extLst>
+              <a:ext uri="{FF2B5EF4-FFF2-40B4-BE49-F238E27FC236}">
+                <a16:creationId xmlns:a16="http://schemas.microsoft.com/office/drawing/2014/main" id="{38015A69-1BBF-4F0C-ADAE-2C4335913388}"/>
+              </a:ext>
+            </a:extLst>
+          </p:cNvPr>
+          <p:cNvPicPr>
+            <a:picLocks noChangeAspect="1"/>
+          </p:cNvPicPr>
+          <p:nvPr/>
+        </p:nvPicPr>
+        <p:blipFill rotWithShape="1">
+          <a:blip r:embed="rId2"/>
+          <a:srcRect l="5029" r="12339"/>
+          <a:stretch/>
+        </p:blipFill>
+        <p:spPr>
+          <a:xfrm>
+            <a:off x="4749800" y="0"/>
+            <a:ext cx="7442200" cy="6858000"/>
+          </a:xfrm>
+          <a:prstGeom prst="rect">
+            <a:avLst/>
+          </a:prstGeom>
+        </p:spPr>
+      </p:pic>
+      <p:sp>
+        <p:nvSpPr>
+          <p:cNvPr id="12" name="Arrow: Curved Right 11">
+            <a:extLst>
+              <a:ext uri="{FF2B5EF4-FFF2-40B4-BE49-F238E27FC236}">
+                <a16:creationId xmlns:a16="http://schemas.microsoft.com/office/drawing/2014/main" id="{4110BF84-2BB3-41CC-AE40-06F1DC325E6D}"/>
+              </a:ext>
+            </a:extLst>
+          </p:cNvPr>
+          <p:cNvSpPr/>
+          <p:nvPr/>
+        </p:nvSpPr>
+        <p:spPr>
+          <a:xfrm>
+            <a:off x="6229350" y="5568950"/>
+            <a:ext cx="342900" cy="368300"/>
+          </a:xfrm>
+          <a:prstGeom prst="curvedRightArrow">
+            <a:avLst/>
+          </a:prstGeom>
+        </p:spPr>
+        <p:style>
+          <a:lnRef idx="2">
+            <a:schemeClr val="accent1">
+              <a:shade val="50000"/>
+            </a:schemeClr>
+          </a:lnRef>
+          <a:fillRef idx="1">
+            <a:schemeClr val="accent1"/>
+          </a:fillRef>
+          <a:effectRef idx="0">
+            <a:schemeClr val="accent1"/>
+          </a:effectRef>
+          <a:fontRef idx="minor">
+            <a:schemeClr val="lt1"/>
+          </a:fontRef>
+        </p:style>
+        <p:txBody>
+          <a:bodyPr rtlCol="0" anchor="ctr"/>
+          <a:lstStyle/>
+          <a:p>
+            <a:pPr algn="ctr"/>
+            <a:endParaRPr lang="en-CA">
+              <a:solidFill>
+                <a:schemeClr val="tx1"/>
+              </a:solidFill>
+            </a:endParaRPr>
+          </a:p>
+        </p:txBody>
+      </p:sp>
+    </p:spTree>
+    <p:extLst>
+      <p:ext uri="{BB962C8B-B14F-4D97-AF65-F5344CB8AC3E}">
+        <p14:creationId xmlns:p14="http://schemas.microsoft.com/office/powerpoint/2010/main" val="1108861890"/>
+      </p:ext>
+    </p:extLst>
+  </p:cSld>
+  <p:clrMapOvr>
+    <a:masterClrMapping/>
+  </p:clrMapOvr>
+</p:sld>
+</file>
+
+<file path=ppt/slides/slide5.xml><?xml version="1.0" encoding="utf-8"?>
+<p:sld xmlns:a="http://schemas.openxmlformats.org/drawingml/2006/main" xmlns:r="http://schemas.openxmlformats.org/officeDocument/2006/relationships" xmlns:p="http://schemas.openxmlformats.org/presentationml/2006/main">
+  <p:cSld>
     <p:bg>
       <p:bgPr>
         <a:solidFill>
@@ -3992,7 +4149,7 @@
 </p:sld>
 </file>
 
-<file path=ppt/slides/slide5.xml><?xml version="1.0" encoding="utf-8"?>
+<file path=ppt/slides/slide6.xml><?xml version="1.0" encoding="utf-8"?>
 <p:sld xmlns:a="http://schemas.openxmlformats.org/drawingml/2006/main" xmlns:r="http://schemas.openxmlformats.org/officeDocument/2006/relationships" xmlns:p="http://schemas.openxmlformats.org/presentationml/2006/main">
   <p:cSld>
     <p:bg>
